--- a/Проект.pptx
+++ b/Проект.pptx
@@ -8,12 +8,7 @@
     <p:sldId id="256" r:id="rId2"/>
     <p:sldId id="257" r:id="rId3"/>
     <p:sldId id="259" r:id="rId4"/>
-    <p:sldId id="258" r:id="rId5"/>
-    <p:sldId id="260" r:id="rId6"/>
-    <p:sldId id="261" r:id="rId7"/>
-    <p:sldId id="262" r:id="rId8"/>
-    <p:sldId id="263" r:id="rId9"/>
-    <p:sldId id="264" r:id="rId10"/>
+    <p:sldId id="261" r:id="rId5"/>
   </p:sldIdLst>
   <p:sldSz cx="12192000" cy="6858000"/>
   <p:notesSz cx="6858000" cy="9144000"/>
@@ -312,7 +307,7 @@
             <a:fld id="{08B9EBBA-996F-894A-B54A-D6246ED52CEA}" type="datetimeFigureOut">
               <a:rPr lang="en-US" smtClean="0"/>
               <a:pPr/>
-              <a:t>1/17/2022</a:t>
+              <a:t>4/18/2022</a:t>
             </a:fld>
             <a:endParaRPr lang="en-US" dirty="0"/>
           </a:p>
@@ -750,7 +745,7 @@
             <a:fld id="{09B482E8-6E0E-1B4F-B1FD-C69DB9E858D9}" type="datetimeFigureOut">
               <a:rPr lang="en-US" smtClean="0"/>
               <a:pPr/>
-              <a:t>1/17/2022</a:t>
+              <a:t>4/18/2022</a:t>
             </a:fld>
             <a:endParaRPr lang="en-US" dirty="0"/>
           </a:p>
@@ -1003,7 +998,7 @@
             <a:fld id="{09B482E8-6E0E-1B4F-B1FD-C69DB9E858D9}" type="datetimeFigureOut">
               <a:rPr lang="en-US" smtClean="0"/>
               <a:pPr/>
-              <a:t>1/17/2022</a:t>
+              <a:t>4/18/2022</a:t>
             </a:fld>
             <a:endParaRPr lang="en-US" dirty="0"/>
           </a:p>
@@ -1314,7 +1309,7 @@
             <a:fld id="{09B482E8-6E0E-1B4F-B1FD-C69DB9E858D9}" type="datetimeFigureOut">
               <a:rPr lang="en-US" smtClean="0"/>
               <a:pPr/>
-              <a:t>1/17/2022</a:t>
+              <a:t>4/18/2022</a:t>
             </a:fld>
             <a:endParaRPr lang="en-US" dirty="0"/>
           </a:p>
@@ -1635,7 +1630,7 @@
             <a:fld id="{09B482E8-6E0E-1B4F-B1FD-C69DB9E858D9}" type="datetimeFigureOut">
               <a:rPr lang="en-US" smtClean="0"/>
               <a:pPr/>
-              <a:t>1/17/2022</a:t>
+              <a:t>4/18/2022</a:t>
             </a:fld>
             <a:endParaRPr lang="en-US" dirty="0"/>
           </a:p>
@@ -1940,7 +1935,7 @@
             <a:fld id="{09B482E8-6E0E-1B4F-B1FD-C69DB9E858D9}" type="datetimeFigureOut">
               <a:rPr lang="en-US" smtClean="0"/>
               <a:pPr/>
-              <a:t>1/17/2022</a:t>
+              <a:t>4/18/2022</a:t>
             </a:fld>
             <a:endParaRPr lang="en-US" dirty="0"/>
           </a:p>
@@ -2310,7 +2305,7 @@
             <a:fld id="{09B482E8-6E0E-1B4F-B1FD-C69DB9E858D9}" type="datetimeFigureOut">
               <a:rPr lang="en-US" smtClean="0"/>
               <a:pPr/>
-              <a:t>1/17/2022</a:t>
+              <a:t>4/18/2022</a:t>
             </a:fld>
             <a:endParaRPr lang="en-US" dirty="0"/>
           </a:p>
@@ -2487,7 +2482,7 @@
             <a:fld id="{C6C52C72-DE31-F449-A4ED-4C594FD91407}" type="datetimeFigureOut">
               <a:rPr lang="en-US" smtClean="0"/>
               <a:pPr/>
-              <a:t>1/17/2022</a:t>
+              <a:t>4/18/2022</a:t>
             </a:fld>
             <a:endParaRPr lang="en-US" dirty="0"/>
           </a:p>
@@ -2669,7 +2664,7 @@
             <a:fld id="{ED62726E-379B-B349-9EED-81ED093FA806}" type="datetimeFigureOut">
               <a:rPr lang="en-US" smtClean="0"/>
               <a:pPr/>
-              <a:t>1/17/2022</a:t>
+              <a:t>4/18/2022</a:t>
             </a:fld>
             <a:endParaRPr lang="en-US" dirty="0"/>
           </a:p>
@@ -2841,7 +2836,7 @@
             <a:fld id="{9B3A1323-8D79-1946-B0D7-40001CF92E9D}" type="datetimeFigureOut">
               <a:rPr lang="en-US" smtClean="0"/>
               <a:pPr/>
-              <a:t>1/17/2022</a:t>
+              <a:t>4/18/2022</a:t>
             </a:fld>
             <a:endParaRPr lang="en-US" dirty="0"/>
           </a:p>
@@ -3093,7 +3088,7 @@
             <a:fld id="{8DFA1846-DA80-1C48-A609-854EA85C59AD}" type="datetimeFigureOut">
               <a:rPr lang="en-US" smtClean="0"/>
               <a:pPr/>
-              <a:t>1/17/2022</a:t>
+              <a:t>4/18/2022</a:t>
             </a:fld>
             <a:endParaRPr lang="en-US" dirty="0"/>
           </a:p>
@@ -3331,7 +3326,7 @@
             <a:fld id="{57302355-E14B-8545-A8F8-0FE83CC9D524}" type="datetimeFigureOut">
               <a:rPr lang="en-US" smtClean="0"/>
               <a:pPr/>
-              <a:t>1/17/2022</a:t>
+              <a:t>4/18/2022</a:t>
             </a:fld>
             <a:endParaRPr lang="en-US" dirty="0"/>
           </a:p>
@@ -3715,7 +3710,7 @@
             <a:fld id="{02640F58-564D-2B4F-AE67-E407BA4FCF45}" type="datetimeFigureOut">
               <a:rPr lang="en-US" smtClean="0"/>
               <a:pPr/>
-              <a:t>1/17/2022</a:t>
+              <a:t>4/18/2022</a:t>
             </a:fld>
             <a:endParaRPr lang="en-US" dirty="0"/>
           </a:p>
@@ -3835,7 +3830,7 @@
             <a:fld id="{F13A34C8-038E-2045-AF43-DF7DBB8E0E9E}" type="datetimeFigureOut">
               <a:rPr lang="en-US" smtClean="0"/>
               <a:pPr/>
-              <a:t>1/17/2022</a:t>
+              <a:t>4/18/2022</a:t>
             </a:fld>
             <a:endParaRPr lang="en-US" dirty="0"/>
           </a:p>
@@ -3932,7 +3927,7 @@
             <a:fld id="{8818C68F-D26B-8F47-958C-23B49CF8A634}" type="datetimeFigureOut">
               <a:rPr lang="en-US" smtClean="0"/>
               <a:pPr/>
-              <a:t>1/17/2022</a:t>
+              <a:t>4/18/2022</a:t>
             </a:fld>
             <a:endParaRPr lang="en-US" dirty="0"/>
           </a:p>
@@ -4189,7 +4184,7 @@
             <a:fld id="{D0DF5E60-9974-AC48-9591-99C2BB44B7CF}" type="datetimeFigureOut">
               <a:rPr lang="en-US" smtClean="0"/>
               <a:pPr/>
-              <a:t>1/17/2022</a:t>
+              <a:t>4/18/2022</a:t>
             </a:fld>
             <a:endParaRPr lang="en-US" dirty="0"/>
           </a:p>
@@ -4474,7 +4469,7 @@
             <a:fld id="{09B482E8-6E0E-1B4F-B1FD-C69DB9E858D9}" type="datetimeFigureOut">
               <a:rPr lang="en-US" smtClean="0"/>
               <a:pPr/>
-              <a:t>1/17/2022</a:t>
+              <a:t>4/18/2022</a:t>
             </a:fld>
             <a:endParaRPr lang="en-US" dirty="0"/>
           </a:p>
@@ -4883,7 +4878,7 @@
             <a:fld id="{09B482E8-6E0E-1B4F-B1FD-C69DB9E858D9}" type="datetimeFigureOut">
               <a:rPr lang="en-US" smtClean="0"/>
               <a:pPr/>
-              <a:t>1/17/2022</a:t>
+              <a:t>4/18/2022</a:t>
             </a:fld>
             <a:endParaRPr lang="en-US" dirty="0"/>
           </a:p>
@@ -5430,7 +5425,12 @@
             <p:ph type="ctrTitle"/>
           </p:nvPr>
         </p:nvSpPr>
-        <p:spPr/>
+        <p:spPr>
+          <a:xfrm>
+            <a:off x="684211" y="334736"/>
+            <a:ext cx="8001000" cy="1755321"/>
+          </a:xfrm>
+        </p:spPr>
         <p:txBody>
           <a:bodyPr>
             <a:normAutofit/>
@@ -5454,20 +5454,12 @@
               <a:t> </a:t>
             </a:r>
             <a:r>
-              <a:rPr lang="en-US" dirty="0" err="1">
+              <a:rPr lang="en-US" dirty="0" smtClean="0">
                 <a:solidFill>
                   <a:srgbClr val="00B0F0"/>
                 </a:solidFill>
               </a:rPr>
-              <a:t>Py</a:t>
-            </a:r>
-            <a:r>
-              <a:rPr lang="en-US" dirty="0" err="1">
-                <a:solidFill>
-                  <a:srgbClr val="0070C0"/>
-                </a:solidFill>
-              </a:rPr>
-              <a:t>Game</a:t>
+              <a:t>Flask</a:t>
             </a:r>
             <a:r>
               <a:rPr lang="ru-RU" dirty="0">
@@ -5518,7 +5510,7 @@
         </p:nvSpPr>
         <p:spPr>
           <a:xfrm>
-            <a:off x="684211" y="3843867"/>
+            <a:off x="684211" y="5558368"/>
             <a:ext cx="10658044" cy="1947333"/>
           </a:xfrm>
         </p:spPr>
@@ -5529,7 +5521,7 @@
           <a:lstStyle/>
           <a:p>
             <a:r>
-              <a:rPr lang="ru-RU" sz="2500" dirty="0">
+              <a:rPr lang="ru-RU" sz="2500" dirty="0" smtClean="0">
                 <a:solidFill>
                   <a:schemeClr val="accent4">
                     <a:lumMod val="60000"/>
@@ -5537,10 +5529,8 @@
                   </a:schemeClr>
                 </a:solidFill>
               </a:rPr>
-              <a:t>Выполнили ученики 9 класса </a:t>
-            </a:r>
-          </a:p>
-          <a:p>
+              <a:t>Выполнил ученик </a:t>
+            </a:r>
             <a:r>
               <a:rPr lang="ru-RU" sz="2500" dirty="0">
                 <a:solidFill>
@@ -5550,31 +5540,9 @@
                   </a:schemeClr>
                 </a:solidFill>
               </a:rPr>
-              <a:t>Булдаков Арсений, </a:t>
-            </a:r>
-            <a:r>
-              <a:rPr lang="ru-RU" sz="2500" dirty="0" smtClean="0">
-                <a:solidFill>
-                  <a:schemeClr val="accent4">
-                    <a:lumMod val="60000"/>
-                    <a:lumOff val="40000"/>
-                  </a:schemeClr>
-                </a:solidFill>
-              </a:rPr>
-              <a:t>в сети более известен как </a:t>
-            </a:r>
-            <a:r>
-              <a:rPr lang="en-US" sz="2500" dirty="0" smtClean="0">
-                <a:solidFill>
-                  <a:schemeClr val="accent4">
-                    <a:lumMod val="60000"/>
-                    <a:lumOff val="40000"/>
-                  </a:schemeClr>
-                </a:solidFill>
-              </a:rPr>
-              <a:t>Ceber-Zhaba</a:t>
-            </a:r>
-            <a:endParaRPr lang="en-US" sz="2500" dirty="0">
+              <a:t>9 класса </a:t>
+            </a:r>
+            <a:endParaRPr lang="ru-RU" sz="2500" dirty="0" smtClean="0">
               <a:solidFill>
                 <a:schemeClr val="accent4">
                   <a:lumMod val="60000"/>
@@ -5585,7 +5553,7 @@
           </a:p>
           <a:p>
             <a:r>
-              <a:rPr lang="ru-RU" sz="2500" dirty="0">
+              <a:rPr lang="ru-RU" sz="2500" dirty="0" smtClean="0">
                 <a:solidFill>
                   <a:schemeClr val="accent4">
                     <a:lumMod val="60000"/>
@@ -5593,7 +5561,18 @@
                   </a:schemeClr>
                 </a:solidFill>
               </a:rPr>
-              <a:t>Марченко Александр, </a:t>
+              <a:t>Марченко </a:t>
+            </a:r>
+            <a:r>
+              <a:rPr lang="ru-RU" sz="2500" dirty="0">
+                <a:solidFill>
+                  <a:schemeClr val="accent4">
+                    <a:lumMod val="60000"/>
+                    <a:lumOff val="40000"/>
+                  </a:schemeClr>
+                </a:solidFill>
+              </a:rPr>
+              <a:t>Александр, </a:t>
             </a:r>
             <a:r>
               <a:rPr lang="ru-RU" sz="2500" dirty="0" smtClean="0">
@@ -5650,7 +5629,7 @@
         </p:blipFill>
         <p:spPr>
           <a:xfrm>
-            <a:off x="9024865" y="261478"/>
+            <a:off x="8685211" y="334736"/>
             <a:ext cx="2755508" cy="2755508"/>
           </a:xfrm>
           <a:prstGeom prst="rect">
@@ -5720,7 +5699,7 @@
                   </a:schemeClr>
                 </a:solidFill>
               </a:rPr>
-              <a:t>Главная цель игры – заработать как можно больше </a:t>
+              <a:t>Главная цель </a:t>
             </a:r>
             <a:r>
               <a:rPr lang="ru-RU" dirty="0" smtClean="0">
@@ -5731,10 +5710,10 @@
                   </a:schemeClr>
                 </a:solidFill>
               </a:rPr>
-              <a:t>монеток и </a:t>
-            </a:r>
-            <a:r>
-              <a:rPr lang="ru-RU" dirty="0">
+              <a:t>проекта</a:t>
+            </a:r>
+            <a:r>
+              <a:rPr lang="ru-RU" dirty="0" smtClean="0">
                 <a:solidFill>
                   <a:schemeClr val="accent2">
                     <a:lumMod val="60000"/>
@@ -5742,8 +5721,38 @@
                   </a:schemeClr>
                 </a:solidFill>
               </a:rPr>
-              <a:t>пройти как можно больше уровней</a:t>
-            </a:r>
+              <a:t> </a:t>
+            </a:r>
+            <a:r>
+              <a:rPr lang="ru-RU" dirty="0">
+                <a:solidFill>
+                  <a:schemeClr val="accent2">
+                    <a:lumMod val="60000"/>
+                    <a:lumOff val="40000"/>
+                  </a:schemeClr>
+                </a:solidFill>
+              </a:rPr>
+              <a:t>– </a:t>
+            </a:r>
+            <a:r>
+              <a:rPr lang="ru-RU" dirty="0" smtClean="0">
+                <a:solidFill>
+                  <a:schemeClr val="accent2">
+                    <a:lumMod val="60000"/>
+                    <a:lumOff val="40000"/>
+                  </a:schemeClr>
+                </a:solidFill>
+              </a:rPr>
+              <a:t>Помочь пользователю сэкономить время на составлении списка продуктов.</a:t>
+            </a:r>
+            <a:endParaRPr lang="ru-RU" dirty="0">
+              <a:solidFill>
+                <a:schemeClr val="accent2">
+                  <a:lumMod val="60000"/>
+                  <a:lumOff val="40000"/>
+                </a:schemeClr>
+              </a:solidFill>
+            </a:endParaRPr>
           </a:p>
         </p:txBody>
       </p:sp>
@@ -5769,9 +5778,10 @@
           <a:lstStyle/>
           <a:p>
             <a:r>
-              <a:rPr lang="ru-RU" dirty="0"/>
-              <a:t>Генерация уровней происходит случайно, поэтому технически игру можно назвать бесконечной</a:t>
-            </a:r>
+              <a:rPr lang="ru-RU" dirty="0" smtClean="0"/>
+              <a:t>Генерация списка покупок происходит автоматически, в зависимость от выбранных рецептов</a:t>
+            </a:r>
+            <a:endParaRPr lang="ru-RU" dirty="0"/>
           </a:p>
         </p:txBody>
       </p:sp>
@@ -5836,7 +5846,18 @@
                   </a:schemeClr>
                 </a:solidFill>
               </a:rPr>
-              <a:t>Как играть?</a:t>
+              <a:t>Как </a:t>
+            </a:r>
+            <a:r>
+              <a:rPr lang="ru-RU" dirty="0" smtClean="0">
+                <a:solidFill>
+                  <a:schemeClr val="accent2">
+                    <a:lumMod val="60000"/>
+                    <a:lumOff val="40000"/>
+                  </a:schemeClr>
+                </a:solidFill>
+              </a:rPr>
+              <a:t>Пользоваться?</a:t>
             </a:r>
             <a:endParaRPr lang="ru-RU" dirty="0">
               <a:solidFill>
@@ -5861,7 +5882,7 @@
         </p:nvSpPr>
         <p:spPr>
           <a:xfrm>
-            <a:off x="684211" y="3509818"/>
+            <a:off x="684213" y="2489283"/>
             <a:ext cx="11018261" cy="2484582"/>
           </a:xfrm>
         </p:spPr>
@@ -5872,17 +5893,58 @@
           <a:lstStyle/>
           <a:p>
             <a:r>
+              <a:rPr lang="ru-RU" dirty="0" smtClean="0"/>
+              <a:t>Во вкладке </a:t>
+            </a:r>
+            <a:r>
+              <a:rPr lang="en-US" dirty="0" smtClean="0"/>
+              <a:t>Recipes </a:t>
+            </a:r>
+            <a:r>
+              <a:rPr lang="ru-RU" dirty="0" smtClean="0"/>
+              <a:t>пользователь может создать рецепты и выбрать нужные ему для списка покупок. </a:t>
+            </a:r>
+            <a:r>
               <a:rPr lang="ru-RU" dirty="0"/>
-              <a:t>В меню надо нажать кнопку [</a:t>
+              <a:t>Во вкладке </a:t>
+            </a:r>
+            <a:r>
+              <a:rPr lang="en-US" dirty="0" smtClean="0"/>
+              <a:t>Products </a:t>
+            </a:r>
+            <a:r>
+              <a:rPr lang="ru-RU" dirty="0"/>
+              <a:t>пользователь </a:t>
+            </a:r>
+            <a:r>
+              <a:rPr lang="ru-RU" dirty="0" smtClean="0"/>
+              <a:t>может добавить продукты. Во вкладке </a:t>
+            </a:r>
+            <a:r>
+              <a:rPr lang="en-US" dirty="0" smtClean="0"/>
+              <a:t>Shop list </a:t>
+            </a:r>
+            <a:r>
+              <a:rPr lang="ru-RU" dirty="0" smtClean="0"/>
+              <a:t>пользователь может скачать итоговую таблицу с продуктами для закупки(в формате</a:t>
             </a:r>
             <a:r>
               <a:rPr lang="en-US" dirty="0"/>
-              <a:t>Play</a:t>
-            </a:r>
-            <a:r>
-              <a:rPr lang="ru-RU" dirty="0"/>
-              <a:t>], после этого персонаж попадает на карту, населённую враждебными сущностями. Также на карте находится Монолит, который позволяет игроку перейти на следующий уровень. Координаты Монолита, как и игрока определяются случайно. После того, как вы подойдёте к монолиту вас перекинет в магазин, где вы сможете купить способности в обмен на монетки, которые вы получаете за убийства врагов.</a:t>
-            </a:r>
+              <a:t> </a:t>
+            </a:r>
+            <a:r>
+              <a:rPr lang="en-US" dirty="0" smtClean="0"/>
+              <a:t>Excel).</a:t>
+            </a:r>
+          </a:p>
+          <a:p>
+            <a:r>
+              <a:rPr lang="ru-RU" dirty="0" smtClean="0"/>
+              <a:t> </a:t>
+            </a:r>
+            <a:endParaRPr lang="ru-RU" dirty="0"/>
+          </a:p>
+          <a:p>
             <a:endParaRPr lang="ru-RU" dirty="0"/>
           </a:p>
         </p:txBody>
@@ -5903,11 +5965,6 @@
 <file path=ppt/slides/slide4.xml><?xml version="1.0" encoding="utf-8"?>
 <p:sld xmlns:a="http://schemas.openxmlformats.org/drawingml/2006/main" xmlns:r="http://schemas.openxmlformats.org/officeDocument/2006/relationships" xmlns:p="http://schemas.openxmlformats.org/presentationml/2006/main">
   <p:cSld>
-    <p:bg>
-      <p:bgRef idx="1002">
-        <a:schemeClr val="bg2"/>
-      </p:bgRef>
-    </p:bg>
     <p:spTree>
       <p:nvGrpSpPr>
         <p:cNvPr id="1" name=""/>
@@ -5924,13 +5981,7 @@
       </p:grpSpPr>
       <p:sp>
         <p:nvSpPr>
-          <p:cNvPr id="2" name="Заголовок 1">
-            <a:extLst>
-              <a:ext uri="{FF2B5EF4-FFF2-40B4-BE49-F238E27FC236}">
-                <a16:creationId xmlns:a16="http://schemas.microsoft.com/office/drawing/2014/main" id="{BA8E6D09-537C-44D2-B3C4-C52692C2C1E2}"/>
-              </a:ext>
-            </a:extLst>
-          </p:cNvPr>
+          <p:cNvPr id="2" name="Заголовок 1"/>
           <p:cNvSpPr>
             <a:spLocks noGrp="1"/>
           </p:cNvSpPr>
@@ -5938,18 +5989,15 @@
             <p:ph type="title"/>
           </p:nvPr>
         </p:nvSpPr>
-        <p:spPr>
-          <a:xfrm>
-            <a:off x="684212" y="73550"/>
-            <a:ext cx="10058400" cy="2152815"/>
-          </a:xfrm>
-        </p:spPr>
-        <p:txBody>
-          <a:bodyPr/>
-          <a:lstStyle/>
-          <a:p>
-            <a:r>
-              <a:rPr lang="ru-RU" dirty="0">
+        <p:spPr/>
+        <p:txBody>
+          <a:bodyPr>
+            <a:normAutofit/>
+          </a:bodyPr>
+          <a:lstStyle/>
+          <a:p>
+            <a:r>
+              <a:rPr lang="ru-RU" dirty="0" smtClean="0">
                 <a:solidFill>
                   <a:schemeClr val="accent2">
                     <a:lumMod val="60000"/>
@@ -5957,168 +6005,10 @@
                   </a:schemeClr>
                 </a:solidFill>
               </a:rPr>
-              <a:t>Управление</a:t>
-            </a:r>
-          </a:p>
-        </p:txBody>
-      </p:sp>
-      <p:sp>
-        <p:nvSpPr>
-          <p:cNvPr id="3" name="Текст 2">
-            <a:extLst>
-              <a:ext uri="{FF2B5EF4-FFF2-40B4-BE49-F238E27FC236}">
-                <a16:creationId xmlns:a16="http://schemas.microsoft.com/office/drawing/2014/main" id="{D30B7D74-4A80-45AC-9F79-A4B41B16F583}"/>
-              </a:ext>
-            </a:extLst>
-          </p:cNvPr>
-          <p:cNvSpPr>
-            <a:spLocks noGrp="1"/>
-          </p:cNvSpPr>
-          <p:nvPr>
-            <p:ph type="body" idx="1"/>
-          </p:nvPr>
-        </p:nvSpPr>
-        <p:spPr>
-          <a:xfrm>
-            <a:off x="872193" y="2866445"/>
-            <a:ext cx="10447614" cy="2858494"/>
-          </a:xfrm>
-        </p:spPr>
-        <p:txBody>
-          <a:bodyPr>
-            <a:noAutofit/>
-          </a:bodyPr>
-          <a:lstStyle/>
-          <a:p>
-            <a:r>
-              <a:rPr lang="ru-RU" sz="2400" dirty="0"/>
-              <a:t>Перемещение		</a:t>
-            </a:r>
-            <a:r>
-              <a:rPr lang="ru-RU" sz="2400" dirty="0" smtClean="0"/>
-              <a:t>Атака </a:t>
-            </a:r>
-            <a:r>
-              <a:rPr lang="en-US" sz="2400" dirty="0" smtClean="0"/>
-              <a:t>		</a:t>
-            </a:r>
-            <a:r>
-              <a:rPr lang="ru-RU" sz="2400" dirty="0" smtClean="0"/>
-              <a:t>			Читы</a:t>
-            </a:r>
-            <a:endParaRPr lang="ru-RU" sz="2400" dirty="0"/>
-          </a:p>
-          <a:p>
-            <a:r>
-              <a:rPr lang="en-US" sz="2400" dirty="0"/>
-              <a:t>[W] / [⇧] –</a:t>
-            </a:r>
-            <a:r>
-              <a:rPr lang="ru-RU" sz="2400" dirty="0"/>
-              <a:t> вверх</a:t>
-            </a:r>
-            <a:r>
-              <a:rPr lang="en-US" sz="2400" dirty="0"/>
-              <a:t>		 [</a:t>
-            </a:r>
-            <a:r>
-              <a:rPr lang="ru-RU" sz="2400" dirty="0"/>
-              <a:t>ПКМ</a:t>
-            </a:r>
-            <a:r>
-              <a:rPr lang="en-US" sz="2400" dirty="0" smtClean="0"/>
-              <a:t>]</a:t>
-            </a:r>
-            <a:r>
-              <a:rPr lang="ru-RU" sz="2400" dirty="0" smtClean="0"/>
-              <a:t>		Спросить у разработчиков</a:t>
-            </a:r>
-            <a:endParaRPr lang="en-US" sz="2400" dirty="0"/>
-          </a:p>
-          <a:p>
-            <a:r>
-              <a:rPr lang="en-US" sz="2400" dirty="0"/>
-              <a:t>[A] / [⇦]</a:t>
-            </a:r>
-            <a:r>
-              <a:rPr lang="ru-RU" sz="2400" dirty="0"/>
-              <a:t> - влево</a:t>
-            </a:r>
-            <a:endParaRPr lang="en-US" sz="2400" dirty="0"/>
-          </a:p>
-          <a:p>
-            <a:r>
-              <a:rPr lang="en-US" sz="2400" dirty="0"/>
-              <a:t>[S] / [⇩]</a:t>
-            </a:r>
-            <a:r>
-              <a:rPr lang="ru-RU" sz="2400" dirty="0"/>
-              <a:t> - вниз</a:t>
-            </a:r>
-            <a:endParaRPr lang="en-US" sz="2400" dirty="0"/>
-          </a:p>
-          <a:p>
-            <a:r>
-              <a:rPr lang="en-US" sz="2400" dirty="0"/>
-              <a:t>[D] / [⇨]</a:t>
-            </a:r>
-            <a:r>
-              <a:rPr lang="ru-RU" sz="2400" dirty="0"/>
-              <a:t> - вправо</a:t>
-            </a:r>
-            <a:endParaRPr lang="en-US" sz="2400" dirty="0"/>
-          </a:p>
-        </p:txBody>
-      </p:sp>
-    </p:spTree>
-    <p:extLst>
-      <p:ext uri="{BB962C8B-B14F-4D97-AF65-F5344CB8AC3E}">
-        <p14:creationId xmlns:p14="http://schemas.microsoft.com/office/powerpoint/2010/main" val="3129783581"/>
-      </p:ext>
-    </p:extLst>
-  </p:cSld>
-  <p:clrMapOvr>
-    <a:overrideClrMapping bg1="dk1" tx1="lt1" bg2="dk2" tx2="lt2" accent1="accent1" accent2="accent2" accent3="accent3" accent4="accent4" accent5="accent5" accent6="accent6" hlink="hlink" folHlink="folHlink"/>
-  </p:clrMapOvr>
-</p:sld>
-</file>
-
-<file path=ppt/slides/slide5.xml><?xml version="1.0" encoding="utf-8"?>
-<p:sld xmlns:a="http://schemas.openxmlformats.org/drawingml/2006/main" xmlns:r="http://schemas.openxmlformats.org/officeDocument/2006/relationships" xmlns:p="http://schemas.openxmlformats.org/presentationml/2006/main">
-  <p:cSld>
-    <p:spTree>
-      <p:nvGrpSpPr>
-        <p:cNvPr id="1" name=""/>
-        <p:cNvGrpSpPr/>
-        <p:nvPr/>
-      </p:nvGrpSpPr>
-      <p:grpSpPr>
-        <a:xfrm>
-          <a:off x="0" y="0"/>
-          <a:ext cx="0" cy="0"/>
-          <a:chOff x="0" y="0"/>
-          <a:chExt cx="0" cy="0"/>
-        </a:xfrm>
-      </p:grpSpPr>
-      <p:sp>
-        <p:nvSpPr>
-          <p:cNvPr id="2" name="Заголовок 1"/>
-          <p:cNvSpPr>
-            <a:spLocks noGrp="1"/>
-          </p:cNvSpPr>
-          <p:nvPr>
-            <p:ph type="title"/>
-          </p:nvPr>
-        </p:nvSpPr>
-        <p:spPr/>
-        <p:txBody>
-          <a:bodyPr>
-            <a:normAutofit/>
-          </a:bodyPr>
-          <a:lstStyle/>
-          <a:p>
-            <a:r>
-              <a:rPr lang="ru-RU" dirty="0">
+              <a:t>Структурные элементы</a:t>
+            </a:r>
+            <a:br>
+              <a:rPr lang="ru-RU" dirty="0" smtClean="0">
                 <a:solidFill>
                   <a:schemeClr val="accent2">
                     <a:lumMod val="60000"/>
@@ -6126,10 +6016,52 @@
                   </a:schemeClr>
                 </a:solidFill>
               </a:rPr>
-              <a:t>Характеристики персонажа</a:t>
+            </a:br>
+            <a:r>
+              <a:rPr lang="ru-RU" dirty="0" smtClean="0">
+                <a:solidFill>
+                  <a:schemeClr val="accent2">
+                    <a:lumMod val="60000"/>
+                    <a:lumOff val="40000"/>
+                  </a:schemeClr>
+                </a:solidFill>
+              </a:rPr>
+              <a:t/>
             </a:r>
             <a:br>
-              <a:rPr lang="ru-RU" dirty="0">
+              <a:rPr lang="ru-RU" dirty="0" smtClean="0">
+                <a:solidFill>
+                  <a:schemeClr val="accent2">
+                    <a:lumMod val="60000"/>
+                    <a:lumOff val="40000"/>
+                  </a:schemeClr>
+                </a:solidFill>
+              </a:rPr>
+            </a:br>
+            <a:r>
+              <a:rPr lang="ru-RU" dirty="0" smtClean="0">
+                <a:solidFill>
+                  <a:schemeClr val="accent2">
+                    <a:lumMod val="60000"/>
+                    <a:lumOff val="40000"/>
+                  </a:schemeClr>
+                </a:solidFill>
+              </a:rPr>
+              <a:t>База данный</a:t>
+            </a:r>
+            <a:r>
+              <a:rPr lang="ru-RU" dirty="0" smtClean="0">
+                <a:solidFill>
+                  <a:schemeClr val="accent2">
+                    <a:lumMod val="60000"/>
+                    <a:lumOff val="40000"/>
+                  </a:schemeClr>
+                </a:solidFill>
+              </a:rPr>
+              <a:t/>
+            </a:r>
+            <a:br>
+              <a:rPr lang="ru-RU" dirty="0" smtClean="0">
                 <a:solidFill>
                   <a:schemeClr val="accent2">
                     <a:lumMod val="60000"/>
@@ -6161,8 +6093,8 @@
         </p:nvSpPr>
         <p:spPr>
           <a:xfrm>
-            <a:off x="684211" y="3500582"/>
-            <a:ext cx="10981315" cy="2493818"/>
+            <a:off x="259669" y="2645229"/>
+            <a:ext cx="8721045" cy="2032412"/>
           </a:xfrm>
         </p:spPr>
         <p:txBody>
@@ -6171,252 +6103,109 @@
           </a:bodyPr>
           <a:lstStyle/>
           <a:p>
-            <a:pPr lvl="0"/>
-            <a:r>
-              <a:rPr lang="en-US" dirty="0"/>
-              <a:t>Strength</a:t>
-            </a:r>
-            <a:r>
-              <a:rPr lang="ru-RU" dirty="0"/>
-              <a:t> – урон наносимый персонажем по противнику</a:t>
-            </a:r>
-          </a:p>
-          <a:p>
-            <a:pPr lvl="0"/>
-            <a:r>
-              <a:rPr lang="en-US" dirty="0"/>
-              <a:t>Speed</a:t>
-            </a:r>
-            <a:r>
-              <a:rPr lang="ru-RU" dirty="0"/>
-              <a:t> – скорость передвижения игрока по карте</a:t>
-            </a:r>
-          </a:p>
-          <a:p>
-            <a:pPr lvl="0"/>
-            <a:r>
-              <a:rPr lang="en-US" dirty="0"/>
-              <a:t>Health</a:t>
-            </a:r>
-            <a:r>
-              <a:rPr lang="ru-RU" dirty="0"/>
-              <a:t> – максимальное здоровье персонажа</a:t>
-            </a:r>
-          </a:p>
-          <a:p>
-            <a:pPr lvl="0"/>
-            <a:r>
-              <a:rPr lang="en-US" dirty="0"/>
-              <a:t>Regeneration</a:t>
-            </a:r>
-            <a:r>
-              <a:rPr lang="ru-RU" dirty="0"/>
-              <a:t> – регенерация (восстановление некоторого количества здоровья за определённый период) </a:t>
-            </a:r>
-          </a:p>
-          <a:p>
-            <a:endParaRPr lang="ru-RU" dirty="0"/>
-          </a:p>
-        </p:txBody>
-      </p:sp>
-    </p:spTree>
-    <p:extLst>
-      <p:ext uri="{BB962C8B-B14F-4D97-AF65-F5344CB8AC3E}">
-        <p14:creationId xmlns:p14="http://schemas.microsoft.com/office/powerpoint/2010/main" val="4214709716"/>
-      </p:ext>
-    </p:extLst>
-  </p:cSld>
-  <p:clrMapOvr>
-    <a:masterClrMapping/>
-  </p:clrMapOvr>
-</p:sld>
-</file>
-
-<file path=ppt/slides/slide6.xml><?xml version="1.0" encoding="utf-8"?>
-<p:sld xmlns:a="http://schemas.openxmlformats.org/drawingml/2006/main" xmlns:r="http://schemas.openxmlformats.org/officeDocument/2006/relationships" xmlns:p="http://schemas.openxmlformats.org/presentationml/2006/main">
-  <p:cSld>
-    <p:spTree>
-      <p:nvGrpSpPr>
-        <p:cNvPr id="1" name=""/>
-        <p:cNvGrpSpPr/>
-        <p:nvPr/>
-      </p:nvGrpSpPr>
-      <p:grpSpPr>
-        <a:xfrm>
-          <a:off x="0" y="0"/>
-          <a:ext cx="0" cy="0"/>
-          <a:chOff x="0" y="0"/>
-          <a:chExt cx="0" cy="0"/>
-        </a:xfrm>
-      </p:grpSpPr>
-      <p:sp>
-        <p:nvSpPr>
-          <p:cNvPr id="2" name="Заголовок 1"/>
-          <p:cNvSpPr>
-            <a:spLocks noGrp="1"/>
-          </p:cNvSpPr>
-          <p:nvPr>
-            <p:ph type="title"/>
-          </p:nvPr>
-        </p:nvSpPr>
-        <p:spPr/>
-        <p:txBody>
-          <a:bodyPr>
-            <a:normAutofit/>
-          </a:bodyPr>
-          <a:lstStyle/>
-          <a:p>
-            <a:r>
-              <a:rPr lang="ru-RU" dirty="0">
-                <a:solidFill>
-                  <a:schemeClr val="accent2">
-                    <a:lumMod val="60000"/>
-                    <a:lumOff val="40000"/>
+            <a:pPr lvl="1"/>
+            <a:r>
+              <a:rPr lang="ru-RU" sz="1700" dirty="0">
+                <a:solidFill>
+                  <a:schemeClr val="bg2">
+                    <a:lumMod val="50000"/>
                   </a:schemeClr>
                 </a:solidFill>
               </a:rPr>
-              <a:t>Структурные </a:t>
-            </a:r>
-            <a:r>
-              <a:rPr lang="ru-RU" dirty="0" smtClean="0">
-                <a:solidFill>
-                  <a:schemeClr val="accent2">
-                    <a:lumMod val="60000"/>
-                    <a:lumOff val="40000"/>
+              <a:t>Все данные хранятся в базе данных формата </a:t>
+            </a:r>
+            <a:r>
+              <a:rPr lang="en-US" sz="1700" dirty="0">
+                <a:solidFill>
+                  <a:schemeClr val="bg2">
+                    <a:lumMod val="50000"/>
                   </a:schemeClr>
                 </a:solidFill>
               </a:rPr>
-              <a:t>элементы</a:t>
-            </a:r>
-            <a:br>
-              <a:rPr lang="ru-RU" dirty="0" smtClean="0">
-                <a:solidFill>
-                  <a:schemeClr val="accent2">
-                    <a:lumMod val="60000"/>
-                    <a:lumOff val="40000"/>
+              <a:t>SQL</a:t>
+            </a:r>
+          </a:p>
+          <a:p>
+            <a:pPr lvl="1"/>
+            <a:r>
+              <a:rPr lang="en-US" sz="1700" dirty="0" smtClean="0">
+                <a:solidFill>
+                  <a:schemeClr val="bg2">
+                    <a:lumMod val="50000"/>
                   </a:schemeClr>
                 </a:solidFill>
               </a:rPr>
-            </a:br>
-            <a:r>
-              <a:rPr lang="ru-RU" dirty="0">
-                <a:solidFill>
-                  <a:schemeClr val="accent2">
-                    <a:lumMod val="60000"/>
-                    <a:lumOff val="40000"/>
+              <a:t>User  </a:t>
+            </a:r>
+            <a:r>
+              <a:rPr lang="ru-RU" sz="1700" dirty="0" smtClean="0">
+                <a:solidFill>
+                  <a:schemeClr val="bg2">
+                    <a:lumMod val="50000"/>
                   </a:schemeClr>
                 </a:solidFill>
               </a:rPr>
-              <a:t/>
-            </a:r>
-            <a:br>
-              <a:rPr lang="ru-RU" dirty="0">
-                <a:solidFill>
-                  <a:schemeClr val="accent2">
-                    <a:lumMod val="60000"/>
-                    <a:lumOff val="40000"/>
+              <a:t>– таблица, </a:t>
+            </a:r>
+            <a:r>
+              <a:rPr lang="ru-RU" sz="1700" dirty="0">
+                <a:solidFill>
+                  <a:schemeClr val="bg2">
+                    <a:lumMod val="50000"/>
                   </a:schemeClr>
                 </a:solidFill>
               </a:rPr>
-            </a:br>
-            <a:r>
-              <a:rPr lang="ru-RU" dirty="0" smtClean="0">
-                <a:solidFill>
-                  <a:schemeClr val="accent2">
-                    <a:lumMod val="60000"/>
-                    <a:lumOff val="40000"/>
+              <a:t>который хранит </a:t>
+            </a:r>
+            <a:r>
+              <a:rPr lang="ru-RU" sz="1700" dirty="0" smtClean="0">
+                <a:solidFill>
+                  <a:schemeClr val="bg2">
+                    <a:lumMod val="50000"/>
                   </a:schemeClr>
                 </a:solidFill>
               </a:rPr>
-              <a:t>Классы</a:t>
-            </a:r>
-            <a:r>
-              <a:rPr lang="ru-RU" dirty="0">
-                <a:solidFill>
-                  <a:schemeClr val="accent2">
-                    <a:lumMod val="60000"/>
-                    <a:lumOff val="40000"/>
-                  </a:schemeClr>
-                </a:solidFill>
-              </a:rPr>
-              <a:t/>
-            </a:r>
-            <a:br>
-              <a:rPr lang="ru-RU" dirty="0">
-                <a:solidFill>
-                  <a:schemeClr val="accent2">
-                    <a:lumMod val="60000"/>
-                    <a:lumOff val="40000"/>
-                  </a:schemeClr>
-                </a:solidFill>
-              </a:rPr>
-            </a:br>
-            <a:endParaRPr lang="ru-RU" dirty="0">
+              <a:t>пользователей и их списки покупок</a:t>
+            </a:r>
+            <a:endParaRPr lang="ru-RU" sz="1700" dirty="0">
               <a:solidFill>
-                <a:schemeClr val="accent2">
-                  <a:lumMod val="60000"/>
-                  <a:lumOff val="40000"/>
+                <a:schemeClr val="bg2">
+                  <a:lumMod val="50000"/>
                 </a:schemeClr>
               </a:solidFill>
             </a:endParaRPr>
           </a:p>
-        </p:txBody>
-      </p:sp>
-      <p:sp>
-        <p:nvSpPr>
-          <p:cNvPr id="3" name="Текст 2"/>
-          <p:cNvSpPr>
-            <a:spLocks noGrp="1"/>
-          </p:cNvSpPr>
-          <p:nvPr>
-            <p:ph type="body" idx="1"/>
-          </p:nvPr>
-        </p:nvSpPr>
-        <p:spPr>
-          <a:xfrm>
-            <a:off x="684212" y="2900218"/>
-            <a:ext cx="10805824" cy="3777672"/>
-          </a:xfrm>
-        </p:spPr>
-        <p:txBody>
-          <a:bodyPr>
-            <a:normAutofit/>
-          </a:bodyPr>
-          <a:lstStyle/>
           <a:p>
             <a:pPr lvl="1"/>
             <a:r>
-              <a:rPr lang="en-US" sz="1700" dirty="0">
+              <a:rPr lang="en-US" sz="1700" dirty="0" smtClean="0">
                 <a:solidFill>
                   <a:schemeClr val="bg2">
                     <a:lumMod val="50000"/>
                   </a:schemeClr>
                 </a:solidFill>
               </a:rPr>
-              <a:t>Settings</a:t>
-            </a:r>
-            <a:r>
-              <a:rPr lang="ru-RU" sz="1700" dirty="0">
+              <a:t>Products </a:t>
+            </a:r>
+            <a:r>
+              <a:rPr lang="ru-RU" sz="1700" dirty="0" smtClean="0">
                 <a:solidFill>
                   <a:schemeClr val="bg2">
                     <a:lumMod val="50000"/>
                   </a:schemeClr>
                 </a:solidFill>
               </a:rPr>
-              <a:t> – класс, который хранит настройки</a:t>
-            </a:r>
-          </a:p>
-          <a:p>
-            <a:pPr lvl="1"/>
-            <a:r>
-              <a:rPr lang="en-US" sz="1700" dirty="0">
+              <a:t> </a:t>
+            </a:r>
+            <a:r>
+              <a:rPr lang="ru-RU" sz="1700" dirty="0">
                 <a:solidFill>
                   <a:schemeClr val="bg2">
                     <a:lumMod val="50000"/>
                   </a:schemeClr>
                 </a:solidFill>
               </a:rPr>
-              <a:t>Player</a:t>
+              <a:t>– </a:t>
             </a:r>
             <a:r>
               <a:rPr lang="ru-RU" sz="1700" dirty="0">
@@ -6426,56 +6215,57 @@
                   </a:schemeClr>
                 </a:solidFill>
               </a:rPr>
-              <a:t> – класс игрока, он хранит анимации, показатели и инвентарь.</a:t>
-            </a:r>
-          </a:p>
-          <a:p>
-            <a:pPr lvl="1"/>
-            <a:r>
-              <a:rPr lang="en-US" sz="1700" dirty="0">
+              <a:t>таблица, </a:t>
+            </a:r>
+            <a:r>
+              <a:rPr lang="ru-RU" sz="1700" dirty="0" smtClean="0">
                 <a:solidFill>
                   <a:schemeClr val="bg2">
                     <a:lumMod val="50000"/>
                   </a:schemeClr>
                 </a:solidFill>
               </a:rPr>
-              <a:t>Entity</a:t>
-            </a:r>
-            <a:r>
-              <a:rPr lang="ru-RU" sz="1700" dirty="0">
+              <a:t>которая хранит все продукты и их стоимости</a:t>
+            </a:r>
+            <a:endParaRPr lang="ru-RU" sz="1700" dirty="0">
+              <a:solidFill>
+                <a:schemeClr val="bg2">
+                  <a:lumMod val="50000"/>
+                </a:schemeClr>
+              </a:solidFill>
+            </a:endParaRPr>
+          </a:p>
+          <a:p>
+            <a:pPr lvl="1"/>
+            <a:r>
+              <a:rPr lang="en-US" sz="1700" dirty="0" smtClean="0">
                 <a:solidFill>
                   <a:schemeClr val="bg2">
                     <a:lumMod val="50000"/>
                   </a:schemeClr>
                 </a:solidFill>
               </a:rPr>
-              <a:t> – класс сущностей, которые могут быть настроены враждебно и нейтрально по отношению к игроку</a:t>
-            </a:r>
-          </a:p>
-          <a:p>
-            <a:pPr lvl="1"/>
-            <a:r>
-              <a:rPr lang="ru-RU" sz="1700" dirty="0">
+              <a:t>Recipes</a:t>
+            </a:r>
+            <a:r>
+              <a:rPr lang="ru-RU" sz="1700" dirty="0" smtClean="0">
                 <a:solidFill>
                   <a:schemeClr val="bg2">
                     <a:lumMod val="50000"/>
                   </a:schemeClr>
                 </a:solidFill>
               </a:rPr>
-              <a:t>MapGenerator – класс, который генерирует карту</a:t>
-            </a:r>
-          </a:p>
-          <a:p>
-            <a:pPr lvl="1"/>
-            <a:r>
-              <a:rPr lang="en-US" sz="1700" dirty="0">
+              <a:t> </a:t>
+            </a:r>
+            <a:r>
+              <a:rPr lang="ru-RU" sz="1700" dirty="0">
                 <a:solidFill>
                   <a:schemeClr val="bg2">
                     <a:lumMod val="50000"/>
                   </a:schemeClr>
                 </a:solidFill>
               </a:rPr>
-              <a:t>FpsCounter</a:t>
+              <a:t>– </a:t>
             </a:r>
             <a:r>
               <a:rPr lang="ru-RU" sz="1700" dirty="0">
@@ -6485,67 +6275,25 @@
                   </a:schemeClr>
                 </a:solidFill>
               </a:rPr>
-              <a:t> – класс отображающий количество кадров в секунду, необходим для оптимизации игры</a:t>
-            </a:r>
-          </a:p>
-          <a:p>
-            <a:pPr lvl="1"/>
-            <a:r>
-              <a:rPr lang="ru-RU" sz="1700" dirty="0">
+              <a:t>таблица, который </a:t>
+            </a:r>
+            <a:r>
+              <a:rPr lang="ru-RU" sz="1700" dirty="0" smtClean="0">
                 <a:solidFill>
                   <a:schemeClr val="bg2">
                     <a:lumMod val="50000"/>
                   </a:schemeClr>
                 </a:solidFill>
               </a:rPr>
-              <a:t>DrawFloor – класс, который </a:t>
-            </a:r>
-            <a:r>
-              <a:rPr lang="ru-RU" sz="1700" dirty="0" smtClean="0">
-                <a:solidFill>
-                  <a:schemeClr val="bg2">
-                    <a:lumMod val="50000"/>
-                  </a:schemeClr>
-                </a:solidFill>
-              </a:rPr>
-              <a:t>отрисовывает </a:t>
-            </a:r>
-            <a:r>
-              <a:rPr lang="ru-RU" sz="1700" dirty="0">
-                <a:solidFill>
-                  <a:schemeClr val="bg2">
-                    <a:lumMod val="50000"/>
-                  </a:schemeClr>
-                </a:solidFill>
-              </a:rPr>
-              <a:t>карту</a:t>
-            </a:r>
-          </a:p>
-          <a:p>
-            <a:pPr lvl="1"/>
-            <a:r>
-              <a:rPr lang="en-US" sz="1700" dirty="0">
-                <a:solidFill>
-                  <a:schemeClr val="bg2">
-                    <a:lumMod val="50000"/>
-                  </a:schemeClr>
-                </a:solidFill>
-              </a:rPr>
-              <a:t>Menu</a:t>
-            </a:r>
-            <a:r>
-              <a:rPr lang="ru-RU" sz="1700" dirty="0">
-                <a:solidFill>
-                  <a:schemeClr val="bg2">
-                    <a:lumMod val="50000"/>
-                  </a:schemeClr>
-                </a:solidFill>
-              </a:rPr>
-              <a:t> – класс, который отвечает за меню</a:t>
-            </a:r>
-          </a:p>
-          <a:p>
-            <a:endParaRPr lang="ru-RU" sz="1700" dirty="0"/>
+              <a:t>хранит рецепты и список продуктов для приготовления.</a:t>
+            </a:r>
+            <a:endParaRPr lang="ru-RU" sz="1700" dirty="0">
+              <a:solidFill>
+                <a:schemeClr val="bg2">
+                  <a:lumMod val="50000"/>
+                </a:schemeClr>
+              </a:solidFill>
+            </a:endParaRPr>
           </a:p>
         </p:txBody>
       </p:sp>
@@ -6553,486 +6301,6 @@
     <p:extLst>
       <p:ext uri="{BB962C8B-B14F-4D97-AF65-F5344CB8AC3E}">
         <p14:creationId xmlns:p14="http://schemas.microsoft.com/office/powerpoint/2010/main" val="1667874351"/>
-      </p:ext>
-    </p:extLst>
-  </p:cSld>
-  <p:clrMapOvr>
-    <a:masterClrMapping/>
-  </p:clrMapOvr>
-</p:sld>
-</file>
-
-<file path=ppt/slides/slide7.xml><?xml version="1.0" encoding="utf-8"?>
-<p:sld xmlns:a="http://schemas.openxmlformats.org/drawingml/2006/main" xmlns:r="http://schemas.openxmlformats.org/officeDocument/2006/relationships" xmlns:p="http://schemas.openxmlformats.org/presentationml/2006/main">
-  <p:cSld>
-    <p:spTree>
-      <p:nvGrpSpPr>
-        <p:cNvPr id="1" name=""/>
-        <p:cNvGrpSpPr/>
-        <p:nvPr/>
-      </p:nvGrpSpPr>
-      <p:grpSpPr>
-        <a:xfrm>
-          <a:off x="0" y="0"/>
-          <a:ext cx="0" cy="0"/>
-          <a:chOff x="0" y="0"/>
-          <a:chExt cx="0" cy="0"/>
-        </a:xfrm>
-      </p:grpSpPr>
-      <p:sp>
-        <p:nvSpPr>
-          <p:cNvPr id="2" name="Заголовок 1"/>
-          <p:cNvSpPr>
-            <a:spLocks noGrp="1"/>
-          </p:cNvSpPr>
-          <p:nvPr>
-            <p:ph type="title"/>
-          </p:nvPr>
-        </p:nvSpPr>
-        <p:spPr/>
-        <p:txBody>
-          <a:bodyPr>
-            <a:normAutofit/>
-          </a:bodyPr>
-          <a:lstStyle/>
-          <a:p>
-            <a:pPr lvl="1"/>
-            <a:r>
-              <a:rPr lang="ru-RU" sz="3200" kern="1200" cap="all" dirty="0">
-                <a:ln w="3175" cmpd="sng">
-                  <a:noFill/>
-                </a:ln>
-                <a:solidFill>
-                  <a:schemeClr val="accent2">
-                    <a:lumMod val="60000"/>
-                    <a:lumOff val="40000"/>
-                  </a:schemeClr>
-                </a:solidFill>
-                <a:latin typeface="+mj-lt"/>
-                <a:ea typeface="+mj-ea"/>
-                <a:cs typeface="+mj-cs"/>
-              </a:rPr>
-              <a:t>Структурные элементы</a:t>
-            </a:r>
-            <a:br>
-              <a:rPr lang="ru-RU" sz="3200" kern="1200" cap="all" dirty="0">
-                <a:ln w="3175" cmpd="sng">
-                  <a:noFill/>
-                </a:ln>
-                <a:solidFill>
-                  <a:schemeClr val="accent2">
-                    <a:lumMod val="60000"/>
-                    <a:lumOff val="40000"/>
-                  </a:schemeClr>
-                </a:solidFill>
-                <a:latin typeface="+mj-lt"/>
-                <a:ea typeface="+mj-ea"/>
-                <a:cs typeface="+mj-cs"/>
-              </a:rPr>
-            </a:br>
-            <a:r>
-              <a:rPr lang="ru-RU" sz="2000" kern="1200" cap="all" dirty="0">
-                <a:ln w="3175" cmpd="sng">
-                  <a:noFill/>
-                </a:ln>
-                <a:solidFill>
-                  <a:schemeClr val="accent2">
-                    <a:lumMod val="60000"/>
-                    <a:lumOff val="40000"/>
-                  </a:schemeClr>
-                </a:solidFill>
-                <a:latin typeface="+mn-lt"/>
-                <a:ea typeface="+mn-ea"/>
-                <a:cs typeface="+mn-cs"/>
-              </a:rPr>
-              <a:t/>
-            </a:r>
-            <a:br>
-              <a:rPr lang="ru-RU" sz="2000" kern="1200" cap="all" dirty="0">
-                <a:ln w="3175" cmpd="sng">
-                  <a:noFill/>
-                </a:ln>
-                <a:solidFill>
-                  <a:schemeClr val="accent2">
-                    <a:lumMod val="60000"/>
-                    <a:lumOff val="40000"/>
-                  </a:schemeClr>
-                </a:solidFill>
-                <a:latin typeface="+mn-lt"/>
-                <a:ea typeface="+mn-ea"/>
-                <a:cs typeface="+mn-cs"/>
-              </a:rPr>
-            </a:br>
-            <a:endParaRPr lang="ru-RU" sz="2000" kern="1200" cap="all" dirty="0">
-              <a:ln w="3175" cmpd="sng">
-                <a:noFill/>
-              </a:ln>
-              <a:solidFill>
-                <a:schemeClr val="accent2">
-                  <a:lumMod val="60000"/>
-                  <a:lumOff val="40000"/>
-                </a:schemeClr>
-              </a:solidFill>
-              <a:latin typeface="+mn-lt"/>
-              <a:ea typeface="+mn-ea"/>
-              <a:cs typeface="+mn-cs"/>
-            </a:endParaRPr>
-          </a:p>
-        </p:txBody>
-      </p:sp>
-      <p:sp>
-        <p:nvSpPr>
-          <p:cNvPr id="3" name="Текст 2"/>
-          <p:cNvSpPr>
-            <a:spLocks noGrp="1"/>
-          </p:cNvSpPr>
-          <p:nvPr>
-            <p:ph type="body" idx="1"/>
-          </p:nvPr>
-        </p:nvSpPr>
-        <p:spPr>
-          <a:xfrm>
-            <a:off x="878175" y="3269673"/>
-            <a:ext cx="8535988" cy="2346036"/>
-          </a:xfrm>
-        </p:spPr>
-        <p:txBody>
-          <a:bodyPr>
-            <a:normAutofit/>
-          </a:bodyPr>
-          <a:lstStyle/>
-          <a:p>
-            <a:r>
-              <a:rPr lang="en-US" sz="1700" dirty="0"/>
-              <a:t>pygame</a:t>
-            </a:r>
-            <a:r>
-              <a:rPr lang="ru-RU" sz="1700" dirty="0"/>
-              <a:t> – основной класс для разработки игры</a:t>
-            </a:r>
-            <a:br>
-              <a:rPr lang="ru-RU" sz="1700" dirty="0"/>
-            </a:br>
-            <a:r>
-              <a:rPr lang="en-US" sz="1700" dirty="0"/>
-              <a:t>pygame</a:t>
-            </a:r>
-            <a:r>
-              <a:rPr lang="ru-RU" sz="1700" dirty="0"/>
-              <a:t>_</a:t>
-            </a:r>
-            <a:r>
-              <a:rPr lang="en-US" sz="1700" dirty="0"/>
-              <a:t>menu</a:t>
-            </a:r>
-            <a:r>
-              <a:rPr lang="ru-RU" sz="1700" dirty="0"/>
-              <a:t> – класс позволяющий легко создавать собственные меню</a:t>
-            </a:r>
-            <a:br>
-              <a:rPr lang="ru-RU" sz="1700" dirty="0"/>
-            </a:br>
-            <a:r>
-              <a:rPr lang="en-US" sz="1700" dirty="0"/>
-              <a:t>configparser</a:t>
-            </a:r>
-            <a:r>
-              <a:rPr lang="ru-RU" sz="1700" dirty="0"/>
-              <a:t> - для работ с файлами расширения .</a:t>
-            </a:r>
-            <a:r>
-              <a:rPr lang="en-US" sz="1700" dirty="0"/>
-              <a:t>cfg</a:t>
-            </a:r>
-            <a:r>
-              <a:rPr lang="ru-RU" sz="1700" dirty="0"/>
-              <a:t/>
-            </a:r>
-            <a:br>
-              <a:rPr lang="ru-RU" sz="1700" dirty="0"/>
-            </a:br>
-            <a:r>
-              <a:rPr lang="en-US" sz="1700" dirty="0"/>
-              <a:t>collections</a:t>
-            </a:r>
-            <a:r>
-              <a:rPr lang="ru-RU" sz="1700" dirty="0"/>
-              <a:t> - для анимации</a:t>
-            </a:r>
-          </a:p>
-        </p:txBody>
-      </p:sp>
-    </p:spTree>
-    <p:extLst>
-      <p:ext uri="{BB962C8B-B14F-4D97-AF65-F5344CB8AC3E}">
-        <p14:creationId xmlns:p14="http://schemas.microsoft.com/office/powerpoint/2010/main" val="2024241200"/>
-      </p:ext>
-    </p:extLst>
-  </p:cSld>
-  <p:clrMapOvr>
-    <a:masterClrMapping/>
-  </p:clrMapOvr>
-</p:sld>
-</file>
-
-<file path=ppt/slides/slide8.xml><?xml version="1.0" encoding="utf-8"?>
-<p:sld xmlns:a="http://schemas.openxmlformats.org/drawingml/2006/main" xmlns:r="http://schemas.openxmlformats.org/officeDocument/2006/relationships" xmlns:p="http://schemas.openxmlformats.org/presentationml/2006/main">
-  <p:cSld>
-    <p:bg>
-      <p:bgRef idx="1002">
-        <a:schemeClr val="bg2"/>
-      </p:bgRef>
-    </p:bg>
-    <p:spTree>
-      <p:nvGrpSpPr>
-        <p:cNvPr id="1" name=""/>
-        <p:cNvGrpSpPr/>
-        <p:nvPr/>
-      </p:nvGrpSpPr>
-      <p:grpSpPr>
-        <a:xfrm>
-          <a:off x="0" y="0"/>
-          <a:ext cx="0" cy="0"/>
-          <a:chOff x="0" y="0"/>
-          <a:chExt cx="0" cy="0"/>
-        </a:xfrm>
-      </p:grpSpPr>
-      <p:sp>
-        <p:nvSpPr>
-          <p:cNvPr id="2" name="Заголовок 1"/>
-          <p:cNvSpPr>
-            <a:spLocks noGrp="1"/>
-          </p:cNvSpPr>
-          <p:nvPr>
-            <p:ph type="title"/>
-          </p:nvPr>
-        </p:nvSpPr>
-        <p:spPr>
-          <a:xfrm>
-            <a:off x="629515" y="574964"/>
-            <a:ext cx="10058400" cy="2743200"/>
-          </a:xfrm>
-        </p:spPr>
-        <p:txBody>
-          <a:bodyPr/>
-          <a:lstStyle/>
-          <a:p>
-            <a:r>
-              <a:rPr lang="ru-RU" dirty="0">
-                <a:solidFill>
-                  <a:schemeClr val="accent2">
-                    <a:lumMod val="60000"/>
-                    <a:lumOff val="40000"/>
-                  </a:schemeClr>
-                </a:solidFill>
-              </a:rPr>
-              <a:t>Хранение данных</a:t>
-            </a:r>
-            <a:r>
-              <a:rPr lang="ru-RU" b="1" dirty="0"/>
-              <a:t/>
-            </a:r>
-            <a:br>
-              <a:rPr lang="ru-RU" b="1" dirty="0"/>
-            </a:br>
-            <a:endParaRPr lang="ru-RU" dirty="0"/>
-          </a:p>
-        </p:txBody>
-      </p:sp>
-      <p:sp>
-        <p:nvSpPr>
-          <p:cNvPr id="3" name="Текст 2"/>
-          <p:cNvSpPr>
-            <a:spLocks noGrp="1"/>
-          </p:cNvSpPr>
-          <p:nvPr>
-            <p:ph type="body" idx="1"/>
-          </p:nvPr>
-        </p:nvSpPr>
-        <p:spPr>
-          <a:xfrm>
-            <a:off x="629515" y="3135746"/>
-            <a:ext cx="8535988" cy="1879600"/>
-          </a:xfrm>
-        </p:spPr>
-        <p:txBody>
-          <a:bodyPr/>
-          <a:lstStyle/>
-          <a:p>
-            <a:r>
-              <a:rPr lang="ru-RU" dirty="0"/>
-              <a:t>Данные игровой сессии хранятся в файле с разрешением .</a:t>
-            </a:r>
-            <a:r>
-              <a:rPr lang="ru-RU" dirty="0" err="1"/>
-              <a:t>cfg</a:t>
-            </a:r>
-            <a:r>
-              <a:rPr lang="ru-RU" dirty="0"/>
-              <a:t>. Также в этом файле лежат настройки для игры.</a:t>
-            </a:r>
-            <a:endParaRPr lang="ru-RU" dirty="0"/>
-          </a:p>
-        </p:txBody>
-      </p:sp>
-    </p:spTree>
-    <p:extLst>
-      <p:ext uri="{BB962C8B-B14F-4D97-AF65-F5344CB8AC3E}">
-        <p14:creationId xmlns:p14="http://schemas.microsoft.com/office/powerpoint/2010/main" val="694534933"/>
-      </p:ext>
-    </p:extLst>
-  </p:cSld>
-  <p:clrMapOvr>
-    <a:overrideClrMapping bg1="dk1" tx1="lt1" bg2="dk2" tx2="lt2" accent1="accent1" accent2="accent2" accent3="accent3" accent4="accent4" accent5="accent5" accent6="accent6" hlink="hlink" folHlink="folHlink"/>
-  </p:clrMapOvr>
-</p:sld>
-</file>
-
-<file path=ppt/slides/slide9.xml><?xml version="1.0" encoding="utf-8"?>
-<p:sld xmlns:a="http://schemas.openxmlformats.org/drawingml/2006/main" xmlns:r="http://schemas.openxmlformats.org/officeDocument/2006/relationships" xmlns:p="http://schemas.openxmlformats.org/presentationml/2006/main">
-  <p:cSld>
-    <p:spTree>
-      <p:nvGrpSpPr>
-        <p:cNvPr id="1" name=""/>
-        <p:cNvGrpSpPr/>
-        <p:nvPr/>
-      </p:nvGrpSpPr>
-      <p:grpSpPr>
-        <a:xfrm>
-          <a:off x="0" y="0"/>
-          <a:ext cx="0" cy="0"/>
-          <a:chOff x="0" y="0"/>
-          <a:chExt cx="0" cy="0"/>
-        </a:xfrm>
-      </p:grpSpPr>
-      <p:pic>
-        <p:nvPicPr>
-          <p:cNvPr id="5" name="Рисунок 4"/>
-          <p:cNvPicPr>
-            <a:picLocks noChangeAspect="1"/>
-          </p:cNvPicPr>
-          <p:nvPr/>
-        </p:nvPicPr>
-        <p:blipFill>
-          <a:blip r:embed="rId2">
-            <a:extLst>
-              <a:ext uri="{28A0092B-C50C-407E-A947-70E740481C1C}">
-                <a14:useLocalDpi xmlns:a14="http://schemas.microsoft.com/office/drawing/2010/main" val="0"/>
-              </a:ext>
-            </a:extLst>
-          </a:blip>
-          <a:stretch>
-            <a:fillRect/>
-          </a:stretch>
-        </p:blipFill>
-        <p:spPr>
-          <a:xfrm>
-            <a:off x="0" y="0"/>
-            <a:ext cx="12192000" cy="6858000"/>
-          </a:xfrm>
-          <a:prstGeom prst="rect">
-            <a:avLst/>
-          </a:prstGeom>
-        </p:spPr>
-      </p:pic>
-      <p:pic>
-        <p:nvPicPr>
-          <p:cNvPr id="4" name="Рисунок 3"/>
-          <p:cNvPicPr>
-            <a:picLocks noChangeAspect="1"/>
-          </p:cNvPicPr>
-          <p:nvPr/>
-        </p:nvPicPr>
-        <p:blipFill>
-          <a:blip r:embed="rId3">
-            <a:extLst>
-              <a:ext uri="{BEBA8EAE-BF5A-486C-A8C5-ECC9F3942E4B}">
-                <a14:imgProps xmlns:a14="http://schemas.microsoft.com/office/drawing/2010/main">
-                  <a14:imgLayer r:embed="rId4">
-                    <a14:imgEffect>
-                      <a14:backgroundRemoval t="10000" b="90000" l="10000" r="90000">
-                        <a14:foregroundMark x1="54967" y1="38411" x2="54967" y2="38411"/>
-                        <a14:foregroundMark x1="68874" y1="36755" x2="68874" y2="36755"/>
-                        <a14:foregroundMark x1="54305" y1="35265" x2="71082" y2="41060"/>
-                        <a14:foregroundMark x1="66887" y1="26821" x2="62252" y2="40728"/>
-                        <a14:foregroundMark x1="56291" y1="57450" x2="65784" y2="37748"/>
-                        <a14:foregroundMark x1="50110" y1="18377" x2="59823" y2="18377"/>
-                        <a14:backgroundMark x1="65784" y1="15563" x2="81236" y2="33113"/>
-                        <a14:backgroundMark x1="64018" y1="19205" x2="67329" y2="22351"/>
-                        <a14:backgroundMark x1="42605" y1="25828" x2="48565" y2="20364"/>
-                      </a14:backgroundRemoval>
-                    </a14:imgEffect>
-                  </a14:imgLayer>
-                </a14:imgProps>
-              </a:ext>
-              <a:ext uri="{28A0092B-C50C-407E-A947-70E740481C1C}">
-                <a14:useLocalDpi xmlns:a14="http://schemas.microsoft.com/office/drawing/2010/main" val="0"/>
-              </a:ext>
-            </a:extLst>
-          </a:blip>
-          <a:stretch>
-            <a:fillRect/>
-          </a:stretch>
-        </p:blipFill>
-        <p:spPr>
-          <a:xfrm>
-            <a:off x="5843752" y="3625762"/>
-            <a:ext cx="6379779" cy="3589590"/>
-          </a:xfrm>
-          <a:prstGeom prst="rect">
-            <a:avLst/>
-          </a:prstGeom>
-        </p:spPr>
-      </p:pic>
-      <p:pic>
-        <p:nvPicPr>
-          <p:cNvPr id="7" name="Рисунок 6"/>
-          <p:cNvPicPr>
-            <a:picLocks noChangeAspect="1"/>
-          </p:cNvPicPr>
-          <p:nvPr/>
-        </p:nvPicPr>
-        <p:blipFill>
-          <a:blip r:embed="rId5">
-            <a:extLst>
-              <a:ext uri="{BEBA8EAE-BF5A-486C-A8C5-ECC9F3942E4B}">
-                <a14:imgProps xmlns:a14="http://schemas.microsoft.com/office/drawing/2010/main">
-                  <a14:imgLayer r:embed="rId6">
-                    <a14:imgEffect>
-                      <a14:backgroundRemoval t="4217" b="97139" l="1657" r="93675">
-                        <a14:foregroundMark x1="31175" y1="8283" x2="59789" y2="8886"/>
-                        <a14:foregroundMark x1="48795" y1="4217" x2="56627" y2="4970"/>
-                        <a14:foregroundMark x1="12048" y1="82681" x2="1657" y2="87500"/>
-                        <a14:foregroundMark x1="78313" y1="80873" x2="90211" y2="94428"/>
-                        <a14:foregroundMark x1="87199" y1="97139" x2="93675" y2="95181"/>
-                      </a14:backgroundRemoval>
-                    </a14:imgEffect>
-                  </a14:imgLayer>
-                </a14:imgProps>
-              </a:ext>
-              <a:ext uri="{28A0092B-C50C-407E-A947-70E740481C1C}">
-                <a14:useLocalDpi xmlns:a14="http://schemas.microsoft.com/office/drawing/2010/main" val="0"/>
-              </a:ext>
-            </a:extLst>
-          </a:blip>
-          <a:stretch>
-            <a:fillRect/>
-          </a:stretch>
-        </p:blipFill>
-        <p:spPr>
-          <a:xfrm flipH="1">
-            <a:off x="5580993" y="3302876"/>
-            <a:ext cx="2385849" cy="2321472"/>
-          </a:xfrm>
-          <a:prstGeom prst="rect">
-            <a:avLst/>
-          </a:prstGeom>
-        </p:spPr>
-      </p:pic>
-    </p:spTree>
-    <p:extLst>
-      <p:ext uri="{BB962C8B-B14F-4D97-AF65-F5344CB8AC3E}">
-        <p14:creationId xmlns:p14="http://schemas.microsoft.com/office/powerpoint/2010/main" val="3482231989"/>
       </p:ext>
     </p:extLst>
   </p:cSld>
@@ -7359,90 +6627,4 @@
     </a:folHlink>
   </a:clrScheme>
 </a:themeOverride>
-</file>
-
-<file path=ppt/theme/themeOverride2.xml><?xml version="1.0" encoding="utf-8"?>
-<a:themeOverride xmlns:a="http://schemas.openxmlformats.org/drawingml/2006/main">
-  <a:clrScheme name="Синий">
-    <a:dk1>
-      <a:sysClr val="windowText" lastClr="000000"/>
-    </a:dk1>
-    <a:lt1>
-      <a:sysClr val="window" lastClr="FFFFFF"/>
-    </a:lt1>
-    <a:dk2>
-      <a:srgbClr val="17406D"/>
-    </a:dk2>
-    <a:lt2>
-      <a:srgbClr val="DBEFF9"/>
-    </a:lt2>
-    <a:accent1>
-      <a:srgbClr val="0F6FC6"/>
-    </a:accent1>
-    <a:accent2>
-      <a:srgbClr val="009DD9"/>
-    </a:accent2>
-    <a:accent3>
-      <a:srgbClr val="0BD0D9"/>
-    </a:accent3>
-    <a:accent4>
-      <a:srgbClr val="10CF9B"/>
-    </a:accent4>
-    <a:accent5>
-      <a:srgbClr val="7CCA62"/>
-    </a:accent5>
-    <a:accent6>
-      <a:srgbClr val="A5C249"/>
-    </a:accent6>
-    <a:hlink>
-      <a:srgbClr val="F49100"/>
-    </a:hlink>
-    <a:folHlink>
-      <a:srgbClr val="85DFD0"/>
-    </a:folHlink>
-  </a:clrScheme>
-</a:themeOverride>
-</file>
-
-<file path=ppt/theme/themeOverride3.xml><?xml version="1.0" encoding="utf-8"?>
-<a:themeOverride xmlns:a="http://schemas.openxmlformats.org/drawingml/2006/main">
-  <a:clrScheme name="Синий">
-    <a:dk1>
-      <a:sysClr val="windowText" lastClr="000000"/>
-    </a:dk1>
-    <a:lt1>
-      <a:sysClr val="window" lastClr="FFFFFF"/>
-    </a:lt1>
-    <a:dk2>
-      <a:srgbClr val="17406D"/>
-    </a:dk2>
-    <a:lt2>
-      <a:srgbClr val="DBEFF9"/>
-    </a:lt2>
-    <a:accent1>
-      <a:srgbClr val="0F6FC6"/>
-    </a:accent1>
-    <a:accent2>
-      <a:srgbClr val="009DD9"/>
-    </a:accent2>
-    <a:accent3>
-      <a:srgbClr val="0BD0D9"/>
-    </a:accent3>
-    <a:accent4>
-      <a:srgbClr val="10CF9B"/>
-    </a:accent4>
-    <a:accent5>
-      <a:srgbClr val="7CCA62"/>
-    </a:accent5>
-    <a:accent6>
-      <a:srgbClr val="A5C249"/>
-    </a:accent6>
-    <a:hlink>
-      <a:srgbClr val="F49100"/>
-    </a:hlink>
-    <a:folHlink>
-      <a:srgbClr val="85DFD0"/>
-    </a:folHlink>
-  </a:clrScheme>
-</a:themeOverride>
 </file>